--- a/web/e21/uge_3a/Quiz-Uge3-Mandag.pptx
+++ b/web/e21/uge_3a/Quiz-Uge3-Mandag.pptx
@@ -24032,30 +24032,6 @@
           </a:p>
         </p:txBody>
       </p:sp>
-      <p:pic>
-        <p:nvPicPr>
-          <p:cNvPr id="5" name="Picture 4"/>
-          <p:cNvPicPr>
-            <a:picLocks noChangeAspect="1"/>
-          </p:cNvPicPr>
-          <p:nvPr/>
-        </p:nvPicPr>
-        <p:blipFill>
-          <a:blip r:embed="rId3"/>
-          <a:stretch>
-            <a:fillRect/>
-          </a:stretch>
-        </p:blipFill>
-        <p:spPr>
-          <a:xfrm>
-            <a:off x="7097213" y="3046978"/>
-            <a:ext cx="1076325" cy="266700"/>
-          </a:xfrm>
-          <a:prstGeom prst="rect">
-            <a:avLst/>
-          </a:prstGeom>
-        </p:spPr>
-      </p:pic>
       <p:sp>
         <p:nvSpPr>
           <p:cNvPr id="38" name="Content Placeholder 2"/>
@@ -24528,30 +24504,6 @@
           </a:p>
         </p:txBody>
       </p:sp>
-      <p:pic>
-        <p:nvPicPr>
-          <p:cNvPr id="7" name="Picture 6"/>
-          <p:cNvPicPr>
-            <a:picLocks noChangeAspect="1"/>
-          </p:cNvPicPr>
-          <p:nvPr/>
-        </p:nvPicPr>
-        <p:blipFill>
-          <a:blip r:embed="rId4"/>
-          <a:stretch>
-            <a:fillRect/>
-          </a:stretch>
-        </p:blipFill>
-        <p:spPr>
-          <a:xfrm>
-            <a:off x="5001650" y="5226927"/>
-            <a:ext cx="4022271" cy="234055"/>
-          </a:xfrm>
-          <a:prstGeom prst="rect">
-            <a:avLst/>
-          </a:prstGeom>
-        </p:spPr>
-      </p:pic>
       <p:sp>
         <p:nvSpPr>
           <p:cNvPr id="44" name="Content Placeholder 2"/>
@@ -24783,30 +24735,6 @@
           </a:p>
         </p:txBody>
       </p:sp>
-      <p:pic>
-        <p:nvPicPr>
-          <p:cNvPr id="10" name="Picture 9"/>
-          <p:cNvPicPr>
-            <a:picLocks noChangeAspect="1"/>
-          </p:cNvPicPr>
-          <p:nvPr/>
-        </p:nvPicPr>
-        <p:blipFill>
-          <a:blip r:embed="rId5"/>
-          <a:stretch>
-            <a:fillRect/>
-          </a:stretch>
-        </p:blipFill>
-        <p:spPr>
-          <a:xfrm>
-            <a:off x="1542520" y="5216684"/>
-            <a:ext cx="3178415" cy="264053"/>
-          </a:xfrm>
-          <a:prstGeom prst="rect">
-            <a:avLst/>
-          </a:prstGeom>
-        </p:spPr>
-      </p:pic>
       <p:sp>
         <p:nvSpPr>
           <p:cNvPr id="30" name="Content Placeholder 2"/>
@@ -25027,6 +24955,78 @@
           </a:p>
         </p:txBody>
       </p:sp>
+      <p:pic>
+        <p:nvPicPr>
+          <p:cNvPr id="2" name="Picture 1"/>
+          <p:cNvPicPr>
+            <a:picLocks noChangeAspect="1"/>
+          </p:cNvPicPr>
+          <p:nvPr/>
+        </p:nvPicPr>
+        <p:blipFill>
+          <a:blip r:embed="rId3"/>
+          <a:stretch>
+            <a:fillRect/>
+          </a:stretch>
+        </p:blipFill>
+        <p:spPr>
+          <a:xfrm>
+            <a:off x="2015265" y="5186769"/>
+            <a:ext cx="2715004" cy="314369"/>
+          </a:xfrm>
+          <a:prstGeom prst="rect">
+            <a:avLst/>
+          </a:prstGeom>
+        </p:spPr>
+      </p:pic>
+      <p:pic>
+        <p:nvPicPr>
+          <p:cNvPr id="3" name="Picture 2"/>
+          <p:cNvPicPr>
+            <a:picLocks noChangeAspect="1"/>
+          </p:cNvPicPr>
+          <p:nvPr/>
+        </p:nvPicPr>
+        <p:blipFill>
+          <a:blip r:embed="rId4"/>
+          <a:stretch>
+            <a:fillRect/>
+          </a:stretch>
+        </p:blipFill>
+        <p:spPr>
+          <a:xfrm>
+            <a:off x="5669595" y="5189477"/>
+            <a:ext cx="2905530" cy="247685"/>
+          </a:xfrm>
+          <a:prstGeom prst="rect">
+            <a:avLst/>
+          </a:prstGeom>
+        </p:spPr>
+      </p:pic>
+      <p:pic>
+        <p:nvPicPr>
+          <p:cNvPr id="4" name="Picture 3"/>
+          <p:cNvPicPr>
+            <a:picLocks noChangeAspect="1"/>
+          </p:cNvPicPr>
+          <p:nvPr/>
+        </p:nvPicPr>
+        <p:blipFill>
+          <a:blip r:embed="rId5"/>
+          <a:stretch>
+            <a:fillRect/>
+          </a:stretch>
+        </p:blipFill>
+        <p:spPr>
+          <a:xfrm>
+            <a:off x="7061030" y="3021009"/>
+            <a:ext cx="1219370" cy="247685"/>
+          </a:xfrm>
+          <a:prstGeom prst="rect">
+            <a:avLst/>
+          </a:prstGeom>
+        </p:spPr>
+      </p:pic>
     </p:spTree>
     <p:extLst>
       <p:ext uri="{BB962C8B-B14F-4D97-AF65-F5344CB8AC3E}">
@@ -25197,7 +25197,7 @@
                                           </p:stCondLst>
                                         </p:cTn>
                                         <p:tgtEl>
-                                          <p:spTgt spid="10"/>
+                                          <p:spTgt spid="2"/>
                                         </p:tgtEl>
                                         <p:attrNameLst>
                                           <p:attrName>style.visibility</p:attrName>
@@ -25274,7 +25274,7 @@
                             </p:stCondLst>
                             <p:childTnLst>
                               <p:par>
-                                <p:cTn id="23" presetID="1" presetClass="entr" presetSubtype="0" fill="hold" nodeType="clickEffect">
+                                <p:cTn id="23" presetID="1" presetClass="entr" presetSubtype="0" fill="hold" grpId="0" nodeType="clickEffect">
                                   <p:stCondLst>
                                     <p:cond delay="0"/>
                                   </p:stCondLst>
@@ -25287,7 +25287,7 @@
                                           </p:stCondLst>
                                         </p:cTn>
                                         <p:tgtEl>
-                                          <p:spTgt spid="5"/>
+                                          <p:spTgt spid="37"/>
                                         </p:tgtEl>
                                         <p:attrNameLst>
                                           <p:attrName>style.visibility</p:attrName>
@@ -25314,7 +25314,7 @@
                                           </p:stCondLst>
                                         </p:cTn>
                                         <p:tgtEl>
-                                          <p:spTgt spid="37"/>
+                                          <p:spTgt spid="36"/>
                                         </p:tgtEl>
                                         <p:attrNameLst>
                                           <p:attrName>style.visibility</p:attrName>
@@ -25328,7 +25328,7 @@
                                 </p:cTn>
                               </p:par>
                               <p:par>
-                                <p:cTn id="27" presetID="1" presetClass="entr" presetSubtype="0" fill="hold" grpId="0" nodeType="withEffect">
+                                <p:cTn id="27" presetID="1" presetClass="entr" presetSubtype="0" fill="hold" nodeType="withEffect">
                                   <p:stCondLst>
                                     <p:cond delay="0"/>
                                   </p:stCondLst>
@@ -25341,7 +25341,7 @@
                                           </p:stCondLst>
                                         </p:cTn>
                                         <p:tgtEl>
-                                          <p:spTgt spid="36"/>
+                                          <p:spTgt spid="4"/>
                                         </p:tgtEl>
                                         <p:attrNameLst>
                                           <p:attrName>style.visibility</p:attrName>
@@ -25539,7 +25539,7 @@
                                           </p:stCondLst>
                                         </p:cTn>
                                         <p:tgtEl>
-                                          <p:spTgt spid="7"/>
+                                          <p:spTgt spid="3"/>
                                         </p:tgtEl>
                                         <p:attrNameLst>
                                           <p:attrName>style.visibility</p:attrName>
@@ -28021,7 +28021,7 @@
         <p:spPr bwMode="auto">
           <a:xfrm>
             <a:off x="1727118" y="4616308"/>
-            <a:ext cx="118615" cy="45719"/>
+            <a:ext cx="252594" cy="45719"/>
           </a:xfrm>
           <a:prstGeom prst="rect">
             <a:avLst/>
@@ -29125,29 +29125,7 @@
                 <a:ea typeface="ＭＳ Ｐゴシック" pitchFamily="34" charset="-128"/>
                 <a:cs typeface="+mn-cs"/>
               </a:rPr>
-              <a:t>Derfor tror </a:t>
-            </a:r>
-            <a:r>
-              <a:rPr lang="da-DK" altLang="da-DK" sz="1400" dirty="0" smtClean="0">
-                <a:solidFill>
-                  <a:srgbClr val="A50021"/>
-                </a:solidFill>
-                <a:latin typeface="Arial" pitchFamily="34" charset="0"/>
-                <a:ea typeface="ＭＳ Ｐゴシック" pitchFamily="34" charset="-128"/>
-                <a:cs typeface="+mn-cs"/>
-              </a:rPr>
-              <a:t>oversætteren, </a:t>
-            </a:r>
-            <a:r>
-              <a:rPr lang="da-DK" altLang="da-DK" sz="1400" dirty="0" smtClean="0">
-                <a:solidFill>
-                  <a:srgbClr val="A50021"/>
-                </a:solidFill>
-                <a:latin typeface="Arial" pitchFamily="34" charset="0"/>
-                <a:ea typeface="ＭＳ Ｐゴシック" pitchFamily="34" charset="-128"/>
-                <a:cs typeface="+mn-cs"/>
-              </a:rPr>
-              <a:t>at </a:t>
+              <a:t>Derfor tror oversætteren, at </a:t>
             </a:r>
             <a:r>
               <a:rPr lang="da-DK" altLang="da-DK" sz="1400" dirty="0" err="1" smtClean="0">
@@ -29256,54 +29234,6 @@
           </a:p>
         </p:txBody>
       </p:sp>
-      <p:pic>
-        <p:nvPicPr>
-          <p:cNvPr id="11" name="Picture 10"/>
-          <p:cNvPicPr>
-            <a:picLocks noChangeAspect="1"/>
-          </p:cNvPicPr>
-          <p:nvPr/>
-        </p:nvPicPr>
-        <p:blipFill>
-          <a:blip r:embed="rId3"/>
-          <a:stretch>
-            <a:fillRect/>
-          </a:stretch>
-        </p:blipFill>
-        <p:spPr>
-          <a:xfrm>
-            <a:off x="141370" y="4096494"/>
-            <a:ext cx="3869972" cy="223698"/>
-          </a:xfrm>
-          <a:prstGeom prst="rect">
-            <a:avLst/>
-          </a:prstGeom>
-        </p:spPr>
-      </p:pic>
-      <p:pic>
-        <p:nvPicPr>
-          <p:cNvPr id="12" name="Picture 11"/>
-          <p:cNvPicPr>
-            <a:picLocks noChangeAspect="1"/>
-          </p:cNvPicPr>
-          <p:nvPr/>
-        </p:nvPicPr>
-        <p:blipFill>
-          <a:blip r:embed="rId4"/>
-          <a:stretch>
-            <a:fillRect/>
-          </a:stretch>
-        </p:blipFill>
-        <p:spPr>
-          <a:xfrm>
-            <a:off x="5573888" y="5563349"/>
-            <a:ext cx="2991544" cy="229510"/>
-          </a:xfrm>
-          <a:prstGeom prst="rect">
-            <a:avLst/>
-          </a:prstGeom>
-        </p:spPr>
-      </p:pic>
       <p:sp>
         <p:nvSpPr>
           <p:cNvPr id="72" name="Rectangle 71"/>
@@ -30256,30 +30186,6 @@
           </a:p>
         </p:txBody>
       </p:sp>
-      <p:pic>
-        <p:nvPicPr>
-          <p:cNvPr id="79" name="Picture 78"/>
-          <p:cNvPicPr>
-            <a:picLocks noChangeAspect="1"/>
-          </p:cNvPicPr>
-          <p:nvPr/>
-        </p:nvPicPr>
-        <p:blipFill>
-          <a:blip r:embed="rId5"/>
-          <a:stretch>
-            <a:fillRect/>
-          </a:stretch>
-        </p:blipFill>
-        <p:spPr>
-          <a:xfrm>
-            <a:off x="5999468" y="3194625"/>
-            <a:ext cx="2140383" cy="256526"/>
-          </a:xfrm>
-          <a:prstGeom prst="rect">
-            <a:avLst/>
-          </a:prstGeom>
-        </p:spPr>
-      </p:pic>
       <p:sp>
         <p:nvSpPr>
           <p:cNvPr id="80" name="Rectangle 79"/>
@@ -30658,6 +30564,77 @@
           </a:p>
         </p:txBody>
       </p:sp>
+      <p:pic>
+        <p:nvPicPr>
+          <p:cNvPr id="3" name="Picture 2"/>
+          <p:cNvPicPr>
+            <a:picLocks noChangeAspect="1"/>
+          </p:cNvPicPr>
+          <p:nvPr/>
+        </p:nvPicPr>
+        <p:blipFill>
+          <a:blip r:embed="rId3"/>
+          <a:stretch>
+            <a:fillRect/>
+          </a:stretch>
+        </p:blipFill>
+        <p:spPr>
+          <a:xfrm>
+            <a:off x="920426" y="4088147"/>
+            <a:ext cx="2981741" cy="228632"/>
+          </a:xfrm>
+          <a:prstGeom prst="rect">
+            <a:avLst/>
+          </a:prstGeom>
+        </p:spPr>
+      </p:pic>
+      <p:pic>
+        <p:nvPicPr>
+          <p:cNvPr id="4" name="Picture 3"/>
+          <p:cNvPicPr>
+            <a:picLocks noChangeAspect="1"/>
+          </p:cNvPicPr>
+          <p:nvPr/>
+        </p:nvPicPr>
+        <p:blipFill rotWithShape="1">
+          <a:blip r:embed="rId4"/>
+          <a:srcRect r="24349"/>
+          <a:stretch/>
+        </p:blipFill>
+        <p:spPr>
+          <a:xfrm>
+            <a:off x="7058513" y="5532406"/>
+            <a:ext cx="2053925" cy="492901"/>
+          </a:xfrm>
+          <a:prstGeom prst="rect">
+            <a:avLst/>
+          </a:prstGeom>
+        </p:spPr>
+      </p:pic>
+      <p:pic>
+        <p:nvPicPr>
+          <p:cNvPr id="5" name="Picture 4"/>
+          <p:cNvPicPr>
+            <a:picLocks noChangeAspect="1"/>
+          </p:cNvPicPr>
+          <p:nvPr/>
+        </p:nvPicPr>
+        <p:blipFill>
+          <a:blip r:embed="rId5"/>
+          <a:stretch>
+            <a:fillRect/>
+          </a:stretch>
+        </p:blipFill>
+        <p:spPr>
+          <a:xfrm>
+            <a:off x="5702111" y="3240967"/>
+            <a:ext cx="2657846" cy="257211"/>
+          </a:xfrm>
+          <a:prstGeom prst="rect">
+            <a:avLst/>
+          </a:prstGeom>
+        </p:spPr>
+      </p:pic>
     </p:spTree>
     <p:extLst>
       <p:ext uri="{BB962C8B-B14F-4D97-AF65-F5344CB8AC3E}">
@@ -30828,7 +30805,7 @@
                                           </p:stCondLst>
                                         </p:cTn>
                                         <p:tgtEl>
-                                          <p:spTgt spid="11"/>
+                                          <p:spTgt spid="3"/>
                                         </p:tgtEl>
                                         <p:attrNameLst>
                                           <p:attrName>style.visibility</p:attrName>
@@ -30972,7 +30949,7 @@
                                           </p:stCondLst>
                                         </p:cTn>
                                         <p:tgtEl>
-                                          <p:spTgt spid="79"/>
+                                          <p:spTgt spid="5"/>
                                         </p:tgtEl>
                                         <p:attrNameLst>
                                           <p:attrName>style.visibility</p:attrName>
@@ -31103,7 +31080,7 @@
                                 </p:cTn>
                               </p:par>
                               <p:par>
-                                <p:cTn id="39" presetID="1" presetClass="entr" presetSubtype="0" fill="hold" nodeType="withEffect">
+                                <p:cTn id="39" presetID="1" presetClass="entr" presetSubtype="0" fill="hold" grpId="0" nodeType="withEffect">
                                   <p:stCondLst>
                                     <p:cond delay="0"/>
                                   </p:stCondLst>
@@ -31116,7 +31093,7 @@
                                           </p:stCondLst>
                                         </p:cTn>
                                         <p:tgtEl>
-                                          <p:spTgt spid="12"/>
+                                          <p:spTgt spid="42"/>
                                         </p:tgtEl>
                                         <p:attrNameLst>
                                           <p:attrName>style.visibility</p:attrName>
@@ -31143,7 +31120,7 @@
                                           </p:stCondLst>
                                         </p:cTn>
                                         <p:tgtEl>
-                                          <p:spTgt spid="42"/>
+                                          <p:spTgt spid="44"/>
                                         </p:tgtEl>
                                         <p:attrNameLst>
                                           <p:attrName>style.visibility</p:attrName>
@@ -31170,7 +31147,7 @@
                                           </p:stCondLst>
                                         </p:cTn>
                                         <p:tgtEl>
-                                          <p:spTgt spid="44"/>
+                                          <p:spTgt spid="52"/>
                                         </p:tgtEl>
                                         <p:attrNameLst>
                                           <p:attrName>style.visibility</p:attrName>
@@ -31197,7 +31174,7 @@
                                           </p:stCondLst>
                                         </p:cTn>
                                         <p:tgtEl>
-                                          <p:spTgt spid="52"/>
+                                          <p:spTgt spid="54"/>
                                         </p:tgtEl>
                                         <p:attrNameLst>
                                           <p:attrName>style.visibility</p:attrName>
@@ -31224,7 +31201,7 @@
                                           </p:stCondLst>
                                         </p:cTn>
                                         <p:tgtEl>
-                                          <p:spTgt spid="54"/>
+                                          <p:spTgt spid="62"/>
                                         </p:tgtEl>
                                         <p:attrNameLst>
                                           <p:attrName>style.visibility</p:attrName>
@@ -31238,7 +31215,7 @@
                                 </p:cTn>
                               </p:par>
                               <p:par>
-                                <p:cTn id="49" presetID="1" presetClass="entr" presetSubtype="0" fill="hold" grpId="0" nodeType="withEffect">
+                                <p:cTn id="49" presetID="1" presetClass="entr" presetSubtype="0" fill="hold" nodeType="withEffect">
                                   <p:stCondLst>
                                     <p:cond delay="0"/>
                                   </p:stCondLst>
@@ -31251,7 +31228,7 @@
                                           </p:stCondLst>
                                         </p:cTn>
                                         <p:tgtEl>
-                                          <p:spTgt spid="62"/>
+                                          <p:spTgt spid="4"/>
                                         </p:tgtEl>
                                         <p:attrNameLst>
                                           <p:attrName>style.visibility</p:attrName>
@@ -31816,7 +31793,7 @@
               <a:t>(</a:t>
             </a:r>
             <a:r>
-              <a:rPr lang="da-DK" sz="1400" b="1" dirty="0" err="1" smtClean="0">
+              <a:rPr lang="da-DK" sz="1400" b="1" noProof="1" smtClean="0">
                 <a:solidFill>
                   <a:schemeClr val="tx1"/>
                 </a:solidFill>
@@ -31827,7 +31804,7 @@
               <a:t>p.getAge</a:t>
             </a:r>
             <a:r>
-              <a:rPr lang="da-DK" sz="1400" b="1" dirty="0">
+              <a:rPr lang="da-DK" sz="1400" b="1" dirty="0" smtClean="0">
                 <a:solidFill>
                   <a:schemeClr val="tx1"/>
                 </a:solidFill>
@@ -31838,7 +31815,7 @@
               <a:t>()</a:t>
             </a:r>
             <a:r>
-              <a:rPr lang="da-DK" sz="800" b="1" dirty="0">
+              <a:rPr lang="da-DK" sz="800" b="1" dirty="0" smtClean="0">
                 <a:solidFill>
                   <a:schemeClr val="tx1"/>
                 </a:solidFill>
@@ -31909,7 +31886,7 @@
               <a:t>         </a:t>
             </a:r>
             <a:r>
-              <a:rPr lang="da-DK" sz="1400" b="1" dirty="0" err="1">
+              <a:rPr lang="da-DK" sz="1400" b="1" noProof="1" smtClean="0">
                 <a:solidFill>
                   <a:schemeClr val="tx1"/>
                 </a:solidFill>
@@ -31920,7 +31897,7 @@
               <a:t>result</a:t>
             </a:r>
             <a:r>
-              <a:rPr lang="da-DK" sz="1400" b="1" dirty="0">
+              <a:rPr lang="da-DK" sz="1400" b="1" dirty="0" smtClean="0">
                 <a:solidFill>
                   <a:schemeClr val="tx1"/>
                 </a:solidFill>
@@ -31930,6 +31907,14 @@
               </a:rPr>
               <a:t>++;</a:t>
             </a:r>
+            <a:endParaRPr lang="da-DK" sz="1400" b="1" dirty="0">
+              <a:solidFill>
+                <a:schemeClr val="tx1"/>
+              </a:solidFill>
+              <a:latin typeface="Courier New" panose="02070309020205020404" pitchFamily="49" charset="0"/>
+              <a:ea typeface="Courier" pitchFamily="-105" charset="0"/>
+              <a:cs typeface="Courier New" panose="02070309020205020404" pitchFamily="49" charset="0"/>
+            </a:endParaRPr>
           </a:p>
           <a:p>
             <a:pPr>
@@ -32306,7 +32291,7 @@
               <a:t>(12 &gt;= </a:t>
             </a:r>
             <a:r>
-              <a:rPr lang="da-DK" sz="1400" b="1" dirty="0" err="1" smtClean="0">
+              <a:rPr lang="da-DK" sz="1400" b="1" noProof="1" smtClean="0">
                 <a:solidFill>
                   <a:schemeClr val="tx1"/>
                 </a:solidFill>
@@ -32374,7 +32359,7 @@
               <a:t>      </a:t>
             </a:r>
             <a:r>
-              <a:rPr lang="da-DK" sz="1400" b="1" dirty="0" err="1" smtClean="0">
+              <a:rPr lang="da-DK" sz="1400" b="1" noProof="1" smtClean="0">
                 <a:solidFill>
                   <a:schemeClr val="tx1"/>
                 </a:solidFill>
@@ -32393,7 +32378,18 @@
                 <a:ea typeface="Courier" pitchFamily="-105" charset="0"/>
                 <a:cs typeface="Courier New" panose="02070309020205020404" pitchFamily="49" charset="0"/>
               </a:rPr>
-              <a:t> += 1</a:t>
+              <a:t> </a:t>
+            </a:r>
+            <a:r>
+              <a:rPr lang="da-DK" sz="1400" b="1" dirty="0" smtClean="0">
+                <a:solidFill>
+                  <a:schemeClr val="tx1"/>
+                </a:solidFill>
+                <a:latin typeface="Courier New" panose="02070309020205020404" pitchFamily="49" charset="0"/>
+                <a:ea typeface="Courier" pitchFamily="-105" charset="0"/>
+                <a:cs typeface="Courier New" panose="02070309020205020404" pitchFamily="49" charset="0"/>
+              </a:rPr>
+              <a:t>+= 1</a:t>
             </a:r>
             <a:r>
               <a:rPr lang="da-DK" sz="1400" b="1" dirty="0">
@@ -33393,18 +33389,7 @@
                 <a:ea typeface="ＭＳ Ｐゴシック" pitchFamily="34" charset="-128"/>
                 <a:cs typeface="+mn-cs"/>
               </a:rPr>
-              <a:t>Vi har glemt parenteserne i </a:t>
-            </a:r>
-            <a:r>
-              <a:rPr lang="da-DK" altLang="da-DK" sz="1400" dirty="0" smtClean="0">
-                <a:solidFill>
-                  <a:srgbClr val="A50021"/>
-                </a:solidFill>
-                <a:latin typeface="Arial" pitchFamily="34" charset="0"/>
-                <a:ea typeface="ＭＳ Ｐゴシック" pitchFamily="34" charset="-128"/>
-                <a:cs typeface="+mn-cs"/>
-              </a:rPr>
-              <a:t>hovedet</a:t>
+              <a:t>Vi har glemt parenteserne i hovedet</a:t>
             </a:r>
           </a:p>
           <a:p>
@@ -35147,30 +35132,6 @@
           </a:p>
         </p:txBody>
       </p:sp>
-      <p:pic>
-        <p:nvPicPr>
-          <p:cNvPr id="3" name="Picture 2"/>
-          <p:cNvPicPr>
-            <a:picLocks noChangeAspect="1"/>
-          </p:cNvPicPr>
-          <p:nvPr/>
-        </p:nvPicPr>
-        <p:blipFill>
-          <a:blip r:embed="rId3"/>
-          <a:stretch>
-            <a:fillRect/>
-          </a:stretch>
-        </p:blipFill>
-        <p:spPr>
-          <a:xfrm>
-            <a:off x="6562108" y="2999960"/>
-            <a:ext cx="2425867" cy="289238"/>
-          </a:xfrm>
-          <a:prstGeom prst="rect">
-            <a:avLst/>
-          </a:prstGeom>
-        </p:spPr>
-      </p:pic>
       <p:sp>
         <p:nvSpPr>
           <p:cNvPr id="6" name="Rectangle 5"/>
@@ -36467,7 +36428,31 @@
       </p:sp>
       <p:pic>
         <p:nvPicPr>
-          <p:cNvPr id="2" name="Picture 1"/>
+          <p:cNvPr id="4" name="Picture 3"/>
+          <p:cNvPicPr>
+            <a:picLocks noChangeAspect="1"/>
+          </p:cNvPicPr>
+          <p:nvPr/>
+        </p:nvPicPr>
+        <p:blipFill>
+          <a:blip r:embed="rId3"/>
+          <a:stretch>
+            <a:fillRect/>
+          </a:stretch>
+        </p:blipFill>
+        <p:spPr>
+          <a:xfrm>
+            <a:off x="6209689" y="2994073"/>
+            <a:ext cx="2676899" cy="247685"/>
+          </a:xfrm>
+          <a:prstGeom prst="rect">
+            <a:avLst/>
+          </a:prstGeom>
+        </p:spPr>
+      </p:pic>
+      <p:pic>
+        <p:nvPicPr>
+          <p:cNvPr id="5" name="Picture 4"/>
           <p:cNvPicPr>
             <a:picLocks noChangeAspect="1"/>
           </p:cNvPicPr>
@@ -36481,8 +36466,8 @@
         </p:blipFill>
         <p:spPr>
           <a:xfrm>
-            <a:off x="7641263" y="4141220"/>
-            <a:ext cx="1209675" cy="257175"/>
+            <a:off x="7536885" y="4138865"/>
+            <a:ext cx="1219370" cy="247685"/>
           </a:xfrm>
           <a:prstGeom prst="rect">
             <a:avLst/>
@@ -36731,7 +36716,7 @@
                                           </p:stCondLst>
                                         </p:cTn>
                                         <p:tgtEl>
-                                          <p:spTgt spid="3"/>
+                                          <p:spTgt spid="4"/>
                                         </p:tgtEl>
                                         <p:attrNameLst>
                                           <p:attrName>style.visibility</p:attrName>
@@ -36902,7 +36887,7 @@
                                           </p:stCondLst>
                                         </p:cTn>
                                         <p:tgtEl>
-                                          <p:spTgt spid="2"/>
+                                          <p:spTgt spid="5"/>
                                         </p:tgtEl>
                                         <p:attrNameLst>
                                           <p:attrName>style.visibility</p:attrName>
@@ -37381,16 +37366,15 @@
           </p:cNvPicPr>
           <p:nvPr/>
         </p:nvPicPr>
-        <p:blipFill>
+        <p:blipFill rotWithShape="1">
           <a:blip r:embed="rId3"/>
-          <a:stretch>
-            <a:fillRect/>
-          </a:stretch>
+          <a:srcRect l="15385" t="28757"/>
+          <a:stretch/>
         </p:blipFill>
         <p:spPr>
           <a:xfrm>
-            <a:off x="2123728" y="3049690"/>
-            <a:ext cx="3744416" cy="944199"/>
+            <a:off x="1979712" y="3068960"/>
+            <a:ext cx="3168352" cy="672678"/>
           </a:xfrm>
           <a:prstGeom prst="rect">
             <a:avLst/>
@@ -37407,7 +37391,7 @@
         </p:nvSpPr>
         <p:spPr bwMode="auto">
           <a:xfrm>
-            <a:off x="323528" y="4149080"/>
+            <a:off x="323528" y="3946779"/>
             <a:ext cx="8640960" cy="2365813"/>
           </a:xfrm>
           <a:prstGeom prst="rect">
@@ -37774,7 +37758,7 @@
         </p:blipFill>
         <p:spPr>
           <a:xfrm>
-            <a:off x="6144248" y="4293096"/>
+            <a:off x="6144248" y="4090795"/>
             <a:ext cx="2531440" cy="736146"/>
           </a:xfrm>
           <a:prstGeom prst="rect">
@@ -37785,6 +37769,52 @@
               <a:srgbClr val="0000FF"/>
             </a:solidFill>
           </a:ln>
+        </p:spPr>
+      </p:pic>
+      <p:pic>
+        <p:nvPicPr>
+          <p:cNvPr id="8" name="Picture 7"/>
+          <p:cNvPicPr>
+            <a:picLocks noChangeAspect="1"/>
+          </p:cNvPicPr>
+          <p:nvPr/>
+        </p:nvPicPr>
+        <p:blipFill rotWithShape="1">
+          <a:blip r:embed="rId5"/>
+          <a:srcRect l="-1" t="1" r="27293" b="3750"/>
+          <a:stretch/>
+        </p:blipFill>
+        <p:spPr>
+          <a:xfrm>
+            <a:off x="6372200" y="4458868"/>
+            <a:ext cx="2592288" cy="279999"/>
+          </a:xfrm>
+          <a:prstGeom prst="rect">
+            <a:avLst/>
+          </a:prstGeom>
+        </p:spPr>
+      </p:pic>
+      <p:pic>
+        <p:nvPicPr>
+          <p:cNvPr id="9" name="Picture 8"/>
+          <p:cNvPicPr>
+            <a:picLocks noChangeAspect="1"/>
+          </p:cNvPicPr>
+          <p:nvPr/>
+        </p:nvPicPr>
+        <p:blipFill rotWithShape="1">
+          <a:blip r:embed="rId6"/>
+          <a:srcRect r="24349"/>
+          <a:stretch/>
+        </p:blipFill>
+        <p:spPr>
+          <a:xfrm>
+            <a:off x="4932040" y="3158848"/>
+            <a:ext cx="2428494" cy="582790"/>
+          </a:xfrm>
+          <a:prstGeom prst="rect">
+            <a:avLst/>
+          </a:prstGeom>
         </p:spPr>
       </p:pic>
     </p:spTree>
